--- a/tamu/FYEX 101/aggie bucket list.pptx
+++ b/tamu/FYEX 101/aggie bucket list.pptx
@@ -6,6 +6,9 @@
   </p:sldMasterIdLst>
   <p:sldIdLst>
     <p:sldId id="256" r:id="rId2"/>
+    <p:sldId id="257" r:id="rId3"/>
+    <p:sldId id="258" r:id="rId4"/>
+    <p:sldId id="259" r:id="rId5"/>
   </p:sldIdLst>
   <p:sldSz cx="12192000" cy="6858000"/>
   <p:notesSz cx="6858000" cy="9144000"/>
@@ -104,6 +107,11 @@
       </a:defRPr>
     </a:lvl9pPr>
   </p:defaultTextStyle>
+  <p:extLst>
+    <p:ext uri="{EFAFB233-063F-42B5-8137-9DF3F51BA10A}">
+      <p15:sldGuideLst xmlns:p15="http://schemas.microsoft.com/office/powerpoint/2012/main"/>
+    </p:ext>
+  </p:extLst>
 </p:presentation>
 </file>
 
@@ -254,7 +262,7 @@
           <a:p>
             <a:fld id="{5651AB8C-9046-4DFE-A268-07E7CA1BB8EF}" type="datetimeFigureOut">
               <a:rPr lang="en-US" smtClean="0"/>
-              <a:t>9/7/2022</a:t>
+              <a:t>9/8/2022</a:t>
             </a:fld>
             <a:endParaRPr lang="en-US"/>
           </a:p>
@@ -452,7 +460,7 @@
           <a:p>
             <a:fld id="{5651AB8C-9046-4DFE-A268-07E7CA1BB8EF}" type="datetimeFigureOut">
               <a:rPr lang="en-US" smtClean="0"/>
-              <a:t>9/7/2022</a:t>
+              <a:t>9/8/2022</a:t>
             </a:fld>
             <a:endParaRPr lang="en-US"/>
           </a:p>
@@ -660,7 +668,7 @@
           <a:p>
             <a:fld id="{5651AB8C-9046-4DFE-A268-07E7CA1BB8EF}" type="datetimeFigureOut">
               <a:rPr lang="en-US" smtClean="0"/>
-              <a:t>9/7/2022</a:t>
+              <a:t>9/8/2022</a:t>
             </a:fld>
             <a:endParaRPr lang="en-US"/>
           </a:p>
@@ -858,7 +866,7 @@
           <a:p>
             <a:fld id="{5651AB8C-9046-4DFE-A268-07E7CA1BB8EF}" type="datetimeFigureOut">
               <a:rPr lang="en-US" smtClean="0"/>
-              <a:t>9/7/2022</a:t>
+              <a:t>9/8/2022</a:t>
             </a:fld>
             <a:endParaRPr lang="en-US"/>
           </a:p>
@@ -1133,7 +1141,7 @@
           <a:p>
             <a:fld id="{5651AB8C-9046-4DFE-A268-07E7CA1BB8EF}" type="datetimeFigureOut">
               <a:rPr lang="en-US" smtClean="0"/>
-              <a:t>9/7/2022</a:t>
+              <a:t>9/8/2022</a:t>
             </a:fld>
             <a:endParaRPr lang="en-US"/>
           </a:p>
@@ -1398,7 +1406,7 @@
           <a:p>
             <a:fld id="{5651AB8C-9046-4DFE-A268-07E7CA1BB8EF}" type="datetimeFigureOut">
               <a:rPr lang="en-US" smtClean="0"/>
-              <a:t>9/7/2022</a:t>
+              <a:t>9/8/2022</a:t>
             </a:fld>
             <a:endParaRPr lang="en-US"/>
           </a:p>
@@ -1810,7 +1818,7 @@
           <a:p>
             <a:fld id="{5651AB8C-9046-4DFE-A268-07E7CA1BB8EF}" type="datetimeFigureOut">
               <a:rPr lang="en-US" smtClean="0"/>
-              <a:t>9/7/2022</a:t>
+              <a:t>9/8/2022</a:t>
             </a:fld>
             <a:endParaRPr lang="en-US"/>
           </a:p>
@@ -1951,7 +1959,7 @@
           <a:p>
             <a:fld id="{5651AB8C-9046-4DFE-A268-07E7CA1BB8EF}" type="datetimeFigureOut">
               <a:rPr lang="en-US" smtClean="0"/>
-              <a:t>9/7/2022</a:t>
+              <a:t>9/8/2022</a:t>
             </a:fld>
             <a:endParaRPr lang="en-US"/>
           </a:p>
@@ -2064,7 +2072,7 @@
           <a:p>
             <a:fld id="{5651AB8C-9046-4DFE-A268-07E7CA1BB8EF}" type="datetimeFigureOut">
               <a:rPr lang="en-US" smtClean="0"/>
-              <a:t>9/7/2022</a:t>
+              <a:t>9/8/2022</a:t>
             </a:fld>
             <a:endParaRPr lang="en-US"/>
           </a:p>
@@ -2375,7 +2383,7 @@
           <a:p>
             <a:fld id="{5651AB8C-9046-4DFE-A268-07E7CA1BB8EF}" type="datetimeFigureOut">
               <a:rPr lang="en-US" smtClean="0"/>
-              <a:t>9/7/2022</a:t>
+              <a:t>9/8/2022</a:t>
             </a:fld>
             <a:endParaRPr lang="en-US"/>
           </a:p>
@@ -2663,7 +2671,7 @@
           <a:p>
             <a:fld id="{5651AB8C-9046-4DFE-A268-07E7CA1BB8EF}" type="datetimeFigureOut">
               <a:rPr lang="en-US" smtClean="0"/>
-              <a:t>9/7/2022</a:t>
+              <a:t>9/8/2022</a:t>
             </a:fld>
             <a:endParaRPr lang="en-US"/>
           </a:p>
@@ -2904,7 +2912,7 @@
           <a:p>
             <a:fld id="{5651AB8C-9046-4DFE-A268-07E7CA1BB8EF}" type="datetimeFigureOut">
               <a:rPr lang="en-US" smtClean="0"/>
-              <a:t>9/7/2022</a:t>
+              <a:t>9/8/2022</a:t>
             </a:fld>
             <a:endParaRPr lang="en-US"/>
           </a:p>
@@ -3342,7 +3350,10 @@
           <a:bodyPr/>
           <a:lstStyle/>
           <a:p>
-            <a:endParaRPr lang="en-US"/>
+            <a:r>
+              <a:rPr lang="en-US" dirty="0"/>
+              <a:t>Aggie Bucket List</a:t>
+            </a:r>
           </a:p>
         </p:txBody>
       </p:sp>
@@ -3367,7 +3378,10 @@
           <a:bodyPr/>
           <a:lstStyle/>
           <a:p>
-            <a:endParaRPr lang="en-US"/>
+            <a:r>
+              <a:rPr lang="en-US" dirty="0"/>
+              <a:t>Kevin Lei</a:t>
+            </a:r>
           </a:p>
         </p:txBody>
       </p:sp>
@@ -3375,6 +3389,431 @@
     <p:extLst>
       <p:ext uri="{BB962C8B-B14F-4D97-AF65-F5344CB8AC3E}">
         <p14:creationId xmlns:p14="http://schemas.microsoft.com/office/powerpoint/2010/main" val="884114062"/>
+      </p:ext>
+    </p:extLst>
+  </p:cSld>
+  <p:clrMapOvr>
+    <a:masterClrMapping/>
+  </p:clrMapOvr>
+</p:sld>
+</file>
+
+<file path=ppt/slides/slide2.xml><?xml version="1.0" encoding="utf-8"?>
+<p:sld xmlns:a="http://schemas.openxmlformats.org/drawingml/2006/main" xmlns:r="http://schemas.openxmlformats.org/officeDocument/2006/relationships" xmlns:p="http://schemas.openxmlformats.org/presentationml/2006/main">
+  <p:cSld>
+    <p:spTree>
+      <p:nvGrpSpPr>
+        <p:cNvPr id="1" name=""/>
+        <p:cNvGrpSpPr/>
+        <p:nvPr/>
+      </p:nvGrpSpPr>
+      <p:grpSpPr>
+        <a:xfrm>
+          <a:off x="0" y="0"/>
+          <a:ext cx="0" cy="0"/>
+          <a:chOff x="0" y="0"/>
+          <a:chExt cx="0" cy="0"/>
+        </a:xfrm>
+      </p:grpSpPr>
+      <p:sp>
+        <p:nvSpPr>
+          <p:cNvPr id="2" name="Title 1">
+            <a:extLst>
+              <a:ext uri="{FF2B5EF4-FFF2-40B4-BE49-F238E27FC236}">
+                <a16:creationId xmlns:a16="http://schemas.microsoft.com/office/drawing/2014/main" id="{632906B6-0DC9-F87F-31DD-92B8019A34EB}"/>
+              </a:ext>
+            </a:extLst>
+          </p:cNvPr>
+          <p:cNvSpPr>
+            <a:spLocks noGrp="1"/>
+          </p:cNvSpPr>
+          <p:nvPr>
+            <p:ph type="title"/>
+          </p:nvPr>
+        </p:nvSpPr>
+        <p:spPr/>
+        <p:txBody>
+          <a:bodyPr/>
+          <a:lstStyle/>
+          <a:p>
+            <a:r>
+              <a:rPr lang="en-US" dirty="0"/>
+              <a:t>Aggie Intro</a:t>
+            </a:r>
+          </a:p>
+        </p:txBody>
+      </p:sp>
+      <p:sp>
+        <p:nvSpPr>
+          <p:cNvPr id="3" name="Content Placeholder 2">
+            <a:extLst>
+              <a:ext uri="{FF2B5EF4-FFF2-40B4-BE49-F238E27FC236}">
+                <a16:creationId xmlns:a16="http://schemas.microsoft.com/office/drawing/2014/main" id="{1D2AA879-2E28-9595-DCF6-D9A644B425CA}"/>
+              </a:ext>
+            </a:extLst>
+          </p:cNvPr>
+          <p:cNvSpPr>
+            <a:spLocks noGrp="1"/>
+          </p:cNvSpPr>
+          <p:nvPr>
+            <p:ph idx="1"/>
+          </p:nvPr>
+        </p:nvSpPr>
+        <p:spPr/>
+        <p:txBody>
+          <a:bodyPr/>
+          <a:lstStyle/>
+          <a:p>
+            <a:endParaRPr lang="en-US"/>
+          </a:p>
+        </p:txBody>
+      </p:sp>
+    </p:spTree>
+    <p:extLst>
+      <p:ext uri="{BB962C8B-B14F-4D97-AF65-F5344CB8AC3E}">
+        <p14:creationId xmlns:p14="http://schemas.microsoft.com/office/powerpoint/2010/main" val="1581344595"/>
+      </p:ext>
+    </p:extLst>
+  </p:cSld>
+  <p:clrMapOvr>
+    <a:masterClrMapping/>
+  </p:clrMapOvr>
+</p:sld>
+</file>
+
+<file path=ppt/slides/slide3.xml><?xml version="1.0" encoding="utf-8"?>
+<p:sld xmlns:a="http://schemas.openxmlformats.org/drawingml/2006/main" xmlns:r="http://schemas.openxmlformats.org/officeDocument/2006/relationships" xmlns:p="http://schemas.openxmlformats.org/presentationml/2006/main">
+  <p:cSld>
+    <p:bg>
+      <p:bgPr>
+        <a:solidFill>
+          <a:schemeClr val="bg1"/>
+        </a:solidFill>
+        <a:effectLst/>
+      </p:bgPr>
+    </p:bg>
+    <p:spTree>
+      <p:nvGrpSpPr>
+        <p:cNvPr id="1" name=""/>
+        <p:cNvGrpSpPr/>
+        <p:nvPr/>
+      </p:nvGrpSpPr>
+      <p:grpSpPr>
+        <a:xfrm>
+          <a:off x="0" y="0"/>
+          <a:ext cx="0" cy="0"/>
+          <a:chOff x="0" y="0"/>
+          <a:chExt cx="0" cy="0"/>
+        </a:xfrm>
+      </p:grpSpPr>
+      <p:sp useBgFill="1">
+        <p:nvSpPr>
+          <p:cNvPr id="14" name="Rectangle 13">
+            <a:extLst>
+              <a:ext uri="{FF2B5EF4-FFF2-40B4-BE49-F238E27FC236}">
+                <a16:creationId xmlns:a16="http://schemas.microsoft.com/office/drawing/2014/main" id="{026A84AF-6F58-471A-BF1F-10D8C03511C4}"/>
+              </a:ext>
+              <a:ext uri="{C183D7F6-B498-43B3-948B-1728B52AA6E4}">
+                <adec:decorative xmlns:adec="http://schemas.microsoft.com/office/drawing/2017/decorative" val="1"/>
+              </a:ext>
+            </a:extLst>
+          </p:cNvPr>
+          <p:cNvSpPr>
+            <a:spLocks noGrp="1" noRot="1" noChangeAspect="1" noMove="1" noResize="1" noEditPoints="1" noAdjustHandles="1" noChangeArrowheads="1" noChangeShapeType="1" noTextEdit="1"/>
+          </p:cNvSpPr>
+          <p:nvPr>
+            <p:extLst>
+              <p:ext uri="{386F3935-93C4-4BCD-93E2-E3B085C9AB24}">
+                <p16:designElem xmlns:p16="http://schemas.microsoft.com/office/powerpoint/2015/main" val="1"/>
+              </p:ext>
+            </p:extLst>
+          </p:nvPr>
+        </p:nvSpPr>
+        <p:spPr>
+          <a:xfrm>
+            <a:off x="-1" y="0"/>
+            <a:ext cx="12188952" cy="6858000"/>
+          </a:xfrm>
+          <a:prstGeom prst="rect">
+            <a:avLst/>
+          </a:prstGeom>
+          <a:ln>
+            <a:noFill/>
+          </a:ln>
+        </p:spPr>
+        <p:style>
+          <a:lnRef idx="2">
+            <a:schemeClr val="accent1">
+              <a:shade val="50000"/>
+            </a:schemeClr>
+          </a:lnRef>
+          <a:fillRef idx="1">
+            <a:schemeClr val="accent1"/>
+          </a:fillRef>
+          <a:effectRef idx="0">
+            <a:schemeClr val="accent1"/>
+          </a:effectRef>
+          <a:fontRef idx="minor">
+            <a:schemeClr val="lt1"/>
+          </a:fontRef>
+        </p:style>
+        <p:txBody>
+          <a:bodyPr rtlCol="0" anchor="ctr"/>
+          <a:lstStyle/>
+          <a:p>
+            <a:pPr algn="ctr"/>
+            <a:endParaRPr lang="en-US"/>
+          </a:p>
+        </p:txBody>
+      </p:sp>
+      <p:sp>
+        <p:nvSpPr>
+          <p:cNvPr id="2" name="Title 1">
+            <a:extLst>
+              <a:ext uri="{FF2B5EF4-FFF2-40B4-BE49-F238E27FC236}">
+                <a16:creationId xmlns:a16="http://schemas.microsoft.com/office/drawing/2014/main" id="{BA501DF5-0FEE-9C41-C038-A8147F5F8FC3}"/>
+              </a:ext>
+            </a:extLst>
+          </p:cNvPr>
+          <p:cNvSpPr>
+            <a:spLocks noGrp="1"/>
+          </p:cNvSpPr>
+          <p:nvPr>
+            <p:ph type="title"/>
+          </p:nvPr>
+        </p:nvSpPr>
+        <p:spPr>
+          <a:xfrm>
+            <a:off x="838200" y="728662"/>
+            <a:ext cx="3785513" cy="3728853"/>
+          </a:xfrm>
+          <a:noFill/>
+        </p:spPr>
+        <p:txBody>
+          <a:bodyPr vert="horz" lIns="91440" tIns="45720" rIns="91440" bIns="45720" rtlCol="0" anchor="b">
+            <a:normAutofit/>
+          </a:bodyPr>
+          <a:lstStyle/>
+          <a:p>
+            <a:r>
+              <a:rPr lang="en-US" sz="5200"/>
+              <a:t>MSC Open House</a:t>
+            </a:r>
+          </a:p>
+        </p:txBody>
+      </p:sp>
+      <p:pic>
+        <p:nvPicPr>
+          <p:cNvPr id="9" name="Content Placeholder 8" descr="A picture containing text&#10;&#10;Description automatically generated">
+            <a:extLst>
+              <a:ext uri="{FF2B5EF4-FFF2-40B4-BE49-F238E27FC236}">
+                <a16:creationId xmlns:a16="http://schemas.microsoft.com/office/drawing/2014/main" id="{8532AD25-8BC6-F14A-D978-DE6078246F00}"/>
+              </a:ext>
+            </a:extLst>
+          </p:cNvPr>
+          <p:cNvPicPr>
+            <a:picLocks noGrp="1" noChangeAspect="1"/>
+          </p:cNvPicPr>
+          <p:nvPr>
+            <p:ph idx="1"/>
+          </p:nvPr>
+        </p:nvPicPr>
+        <p:blipFill rotWithShape="1">
+          <a:blip r:embed="rId2">
+            <a:extLst>
+              <a:ext uri="{28A0092B-C50C-407E-A947-70E740481C1C}">
+                <a14:useLocalDpi xmlns:a14="http://schemas.microsoft.com/office/drawing/2010/main" val="0"/>
+              </a:ext>
+            </a:extLst>
+          </a:blip>
+          <a:srcRect r="28389" b="1"/>
+          <a:stretch/>
+        </p:blipFill>
+        <p:spPr>
+          <a:xfrm rot="5400000">
+            <a:off x="5171752" y="-162247"/>
+            <a:ext cx="6858000" cy="7182495"/>
+          </a:xfrm>
+          <a:prstGeom prst="rect">
+            <a:avLst/>
+          </a:prstGeom>
+        </p:spPr>
+      </p:pic>
+    </p:spTree>
+    <p:extLst>
+      <p:ext uri="{BB962C8B-B14F-4D97-AF65-F5344CB8AC3E}">
+        <p14:creationId xmlns:p14="http://schemas.microsoft.com/office/powerpoint/2010/main" val="278857442"/>
+      </p:ext>
+    </p:extLst>
+  </p:cSld>
+  <p:clrMapOvr>
+    <a:masterClrMapping/>
+  </p:clrMapOvr>
+</p:sld>
+</file>
+
+<file path=ppt/slides/slide4.xml><?xml version="1.0" encoding="utf-8"?>
+<p:sld xmlns:a="http://schemas.openxmlformats.org/drawingml/2006/main" xmlns:r="http://schemas.openxmlformats.org/officeDocument/2006/relationships" xmlns:p="http://schemas.openxmlformats.org/presentationml/2006/main">
+  <p:cSld>
+    <p:bg>
+      <p:bgPr>
+        <a:solidFill>
+          <a:schemeClr val="bg1"/>
+        </a:solidFill>
+        <a:effectLst/>
+      </p:bgPr>
+    </p:bg>
+    <p:spTree>
+      <p:nvGrpSpPr>
+        <p:cNvPr id="1" name=""/>
+        <p:cNvGrpSpPr/>
+        <p:nvPr/>
+      </p:nvGrpSpPr>
+      <p:grpSpPr>
+        <a:xfrm>
+          <a:off x="0" y="0"/>
+          <a:ext cx="0" cy="0"/>
+          <a:chOff x="0" y="0"/>
+          <a:chExt cx="0" cy="0"/>
+        </a:xfrm>
+      </p:grpSpPr>
+      <p:sp useBgFill="1">
+        <p:nvSpPr>
+          <p:cNvPr id="10" name="Rectangle 9">
+            <a:extLst>
+              <a:ext uri="{FF2B5EF4-FFF2-40B4-BE49-F238E27FC236}">
+                <a16:creationId xmlns:a16="http://schemas.microsoft.com/office/drawing/2014/main" id="{026A84AF-6F58-471A-BF1F-10D8C03511C4}"/>
+              </a:ext>
+              <a:ext uri="{C183D7F6-B498-43B3-948B-1728B52AA6E4}">
+                <adec:decorative xmlns:adec="http://schemas.microsoft.com/office/drawing/2017/decorative" val="1"/>
+              </a:ext>
+            </a:extLst>
+          </p:cNvPr>
+          <p:cNvSpPr>
+            <a:spLocks noGrp="1" noRot="1" noChangeAspect="1" noMove="1" noResize="1" noEditPoints="1" noAdjustHandles="1" noChangeArrowheads="1" noChangeShapeType="1" noTextEdit="1"/>
+          </p:cNvSpPr>
+          <p:nvPr>
+            <p:extLst>
+              <p:ext uri="{386F3935-93C4-4BCD-93E2-E3B085C9AB24}">
+                <p16:designElem xmlns:p16="http://schemas.microsoft.com/office/powerpoint/2015/main" val="1"/>
+              </p:ext>
+            </p:extLst>
+          </p:nvPr>
+        </p:nvSpPr>
+        <p:spPr>
+          <a:xfrm>
+            <a:off x="-1" y="0"/>
+            <a:ext cx="12188952" cy="6858000"/>
+          </a:xfrm>
+          <a:prstGeom prst="rect">
+            <a:avLst/>
+          </a:prstGeom>
+          <a:ln>
+            <a:noFill/>
+          </a:ln>
+        </p:spPr>
+        <p:style>
+          <a:lnRef idx="2">
+            <a:schemeClr val="accent1">
+              <a:shade val="50000"/>
+            </a:schemeClr>
+          </a:lnRef>
+          <a:fillRef idx="1">
+            <a:schemeClr val="accent1"/>
+          </a:fillRef>
+          <a:effectRef idx="0">
+            <a:schemeClr val="accent1"/>
+          </a:effectRef>
+          <a:fontRef idx="minor">
+            <a:schemeClr val="lt1"/>
+          </a:fontRef>
+        </p:style>
+        <p:txBody>
+          <a:bodyPr rtlCol="0" anchor="ctr"/>
+          <a:lstStyle/>
+          <a:p>
+            <a:pPr algn="ctr"/>
+            <a:endParaRPr lang="en-US"/>
+          </a:p>
+        </p:txBody>
+      </p:sp>
+      <p:sp>
+        <p:nvSpPr>
+          <p:cNvPr id="2" name="Title 1">
+            <a:extLst>
+              <a:ext uri="{FF2B5EF4-FFF2-40B4-BE49-F238E27FC236}">
+                <a16:creationId xmlns:a16="http://schemas.microsoft.com/office/drawing/2014/main" id="{D0E261D7-8CD8-E58B-ADAD-C3D5382A8BEF}"/>
+              </a:ext>
+            </a:extLst>
+          </p:cNvPr>
+          <p:cNvSpPr>
+            <a:spLocks noGrp="1"/>
+          </p:cNvSpPr>
+          <p:nvPr>
+            <p:ph type="title"/>
+          </p:nvPr>
+        </p:nvSpPr>
+        <p:spPr>
+          <a:xfrm>
+            <a:off x="838200" y="728662"/>
+            <a:ext cx="3785513" cy="3728853"/>
+          </a:xfrm>
+          <a:noFill/>
+        </p:spPr>
+        <p:txBody>
+          <a:bodyPr vert="horz" lIns="91440" tIns="45720" rIns="91440" bIns="45720" rtlCol="0" anchor="b">
+            <a:normAutofit/>
+          </a:bodyPr>
+          <a:lstStyle/>
+          <a:p>
+            <a:r>
+              <a:rPr lang="en-US" sz="5200"/>
+              <a:t>Aggie Park</a:t>
+            </a:r>
+          </a:p>
+        </p:txBody>
+      </p:sp>
+      <p:pic>
+        <p:nvPicPr>
+          <p:cNvPr id="5" name="Content Placeholder 4" descr="A picture containing floor, indoor, person&#10;&#10;Description automatically generated">
+            <a:extLst>
+              <a:ext uri="{FF2B5EF4-FFF2-40B4-BE49-F238E27FC236}">
+                <a16:creationId xmlns:a16="http://schemas.microsoft.com/office/drawing/2014/main" id="{7E39236E-89DB-87B7-4936-DC463A6499E8}"/>
+              </a:ext>
+            </a:extLst>
+          </p:cNvPr>
+          <p:cNvPicPr>
+            <a:picLocks noGrp="1" noChangeAspect="1"/>
+          </p:cNvPicPr>
+          <p:nvPr>
+            <p:ph idx="1"/>
+          </p:nvPr>
+        </p:nvPicPr>
+        <p:blipFill rotWithShape="1">
+          <a:blip r:embed="rId2">
+            <a:extLst>
+              <a:ext uri="{28A0092B-C50C-407E-A947-70E740481C1C}">
+                <a14:useLocalDpi xmlns:a14="http://schemas.microsoft.com/office/drawing/2010/main" val="0"/>
+              </a:ext>
+            </a:extLst>
+          </a:blip>
+          <a:srcRect l="25615" r="2774" b="1"/>
+          <a:stretch/>
+        </p:blipFill>
+        <p:spPr>
+          <a:xfrm rot="5400000">
+            <a:off x="5171752" y="-162247"/>
+            <a:ext cx="6858000" cy="7182495"/>
+          </a:xfrm>
+          <a:prstGeom prst="rect">
+            <a:avLst/>
+          </a:prstGeom>
+        </p:spPr>
+      </p:pic>
+    </p:spTree>
+    <p:extLst>
+      <p:ext uri="{BB962C8B-B14F-4D97-AF65-F5344CB8AC3E}">
+        <p14:creationId xmlns:p14="http://schemas.microsoft.com/office/powerpoint/2010/main" val="4107160884"/>
       </p:ext>
     </p:extLst>
   </p:cSld>
